--- a/presentations/04-Industrial-Protocols.pptx
+++ b/presentations/04-Industrial-Protocols.pptx
@@ -273,7 +273,7 @@
           <a:p>
             <a:fld id="{CB2AC661-31A4-46DB-97AE-947D7B173D52}" type="datetimeFigureOut">
               <a:rPr lang="en-US" smtClean="0"/>
-              <a:t>10/25/2017</a:t>
+              <a:t>2/8/2018</a:t>
             </a:fld>
             <a:endParaRPr lang="en-US"/>
           </a:p>
@@ -11590,7 +11590,7 @@
           <a:p>
             <a:fld id="{0CFAC217-E878-4AC1-A7B1-0DFDB702C1FF}" type="datetimeFigureOut">
               <a:rPr lang="en-US" smtClean="0"/>
-              <a:t>10/25/2017</a:t>
+              <a:t>2/8/2018</a:t>
             </a:fld>
             <a:endParaRPr lang="en-US"/>
           </a:p>
@@ -27345,7 +27345,19 @@
             </a:r>
             <a:r>
               <a:rPr lang="en-US" sz="2000" dirty="0" smtClean="0"/>
-              <a:t> have create a myriad of </a:t>
+              <a:t> </a:t>
+            </a:r>
+            <a:r>
+              <a:rPr lang="en-US" sz="2000" smtClean="0"/>
+              <a:t>have </a:t>
+            </a:r>
+            <a:r>
+              <a:rPr lang="en-US" sz="2000" smtClean="0"/>
+              <a:t>created </a:t>
+            </a:r>
+            <a:r>
+              <a:rPr lang="en-US" sz="2000" dirty="0" smtClean="0"/>
+              <a:t>a myriad of </a:t>
             </a:r>
             <a:r>
               <a:rPr lang="en-US" sz="2000" dirty="0"/>
@@ -29983,7 +29995,7 @@
 </file>
 
 <file path=ppt/slides/slide8.xml><?xml version="1.0" encoding="utf-8"?>
-<p:sld xmlns:a="http://schemas.openxmlformats.org/drawingml/2006/main" xmlns:r="http://schemas.openxmlformats.org/officeDocument/2006/relationships" xmlns:p="http://schemas.openxmlformats.org/presentationml/2006/main">
+<p:sld xmlns:a="http://schemas.openxmlformats.org/drawingml/2006/main" xmlns:r="http://schemas.openxmlformats.org/officeDocument/2006/relationships" xmlns:p="http://schemas.openxmlformats.org/presentationml/2006/main" show="0">
   <p:cSld>
     <p:spTree>
       <p:nvGrpSpPr>
@@ -30183,13 +30195,13 @@
   <p:clrMapOvr>
     <a:masterClrMapping/>
   </p:clrMapOvr>
-  <mc:AlternateContent xmlns:mc="http://schemas.openxmlformats.org/markup-compatibility/2006" xmlns:p14="http://schemas.microsoft.com/office/powerpoint/2010/main">
-    <mc:Choice Requires="p14">
+  <mc:AlternateContent xmlns:mc="http://schemas.openxmlformats.org/markup-compatibility/2006">
+    <mc:Choice xmlns:p14="http://schemas.microsoft.com/office/powerpoint/2010/main" Requires="p14">
       <p:transition spd="med" p14:dur="700">
         <p:fade/>
       </p:transition>
     </mc:Choice>
-    <mc:Fallback xmlns="">
+    <mc:Fallback>
       <p:transition spd="med">
         <p:fade/>
       </p:transition>
